--- a/Documents/Grand_Stage_Fixes.pptx
+++ b/Documents/Grand_Stage_Fixes.pptx
@@ -39635,7 +39635,7 @@
         <p:spPr>
           <a:xfrm>
             <a:off x="8023043" y="1320008"/>
-            <a:ext cx="952505" cy="307777"/>
+            <a:ext cx="3100529" cy="307777"/>
           </a:xfrm>
           <a:prstGeom prst="rect">
             <a:avLst/>
@@ -39654,7 +39654,23 @@
                   <a:srgbClr val="FF7C80"/>
                 </a:solidFill>
               </a:rPr>
-              <a:t>배치 수정</a:t>
+              <a:t>배치 수정 </a:t>
+            </a:r>
+            <a:r>
+              <a:rPr lang="en-US" altLang="ko-KR" sz="1400" dirty="0">
+                <a:solidFill>
+                  <a:srgbClr val="FF7C80"/>
+                </a:solidFill>
+              </a:rPr>
+              <a:t>+ </a:t>
+            </a:r>
+            <a:r>
+              <a:rPr lang="ko-KR" altLang="en-US" sz="1400" dirty="0">
+                <a:solidFill>
+                  <a:srgbClr val="FF7C80"/>
+                </a:solidFill>
+              </a:rPr>
+              <a:t>제일 윗부분 레이저 삭제</a:t>
             </a:r>
           </a:p>
         </p:txBody>

--- a/Documents/Grand_Stage_Fixes.pptx
+++ b/Documents/Grand_Stage_Fixes.pptx
@@ -215,7 +215,7 @@
           <a:p>
             <a:fld id="{E07DF992-3983-40FE-9823-1F4F4377BFC0}" type="datetimeFigureOut">
               <a:rPr lang="ko-KR" altLang="en-US" smtClean="0"/>
-              <a:t>2022-06-07</a:t>
+              <a:t>2022-06-08</a:t>
             </a:fld>
             <a:endParaRPr lang="ko-KR" altLang="en-US"/>
           </a:p>
@@ -23150,7 +23150,7 @@
         <p:spPr>
           <a:xfrm>
             <a:off x="0" y="6858191"/>
-            <a:ext cx="1361270" cy="307777"/>
+            <a:ext cx="1709122" cy="307777"/>
           </a:xfrm>
           <a:prstGeom prst="rect">
             <a:avLst/>
@@ -23169,8 +23169,37 @@
                   <a:srgbClr val="FF7C80"/>
                 </a:solidFill>
               </a:rPr>
-              <a:t>버튼 위치 수정</a:t>
+              <a:t>버튼 위치 수정 </a:t>
             </a:r>
+            <a:r>
+              <a:rPr lang="en-US" altLang="ko-KR" sz="1400" dirty="0">
+                <a:solidFill>
+                  <a:srgbClr val="FF7C80"/>
+                </a:solidFill>
+              </a:rPr>
+              <a:t>(</a:t>
+            </a:r>
+            <a:r>
+              <a:rPr lang="ko-KR" altLang="en-US" sz="1400" dirty="0">
+                <a:solidFill>
+                  <a:srgbClr val="FF7C80"/>
+                </a:solidFill>
+              </a:rPr>
+              <a:t>완</a:t>
+            </a:r>
+            <a:r>
+              <a:rPr lang="en-US" altLang="ko-KR" sz="1400" dirty="0">
+                <a:solidFill>
+                  <a:srgbClr val="FF7C80"/>
+                </a:solidFill>
+              </a:rPr>
+              <a:t>)</a:t>
+            </a:r>
+            <a:endParaRPr lang="ko-KR" altLang="en-US" sz="1400" dirty="0">
+              <a:solidFill>
+                <a:srgbClr val="FF7C80"/>
+              </a:solidFill>
+            </a:endParaRPr>
           </a:p>
         </p:txBody>
       </p:sp>
